--- a/src/main/resources/CoE-LR-Pildoras-logging.pptx
+++ b/src/main/resources/CoE-LR-Pildoras-logging.pptx
@@ -1982,14 +1982,7 @@
               <a:latin typeface="Arial" panose="020B0604020202020204" pitchFamily="34" charset="0"/>
               <a:cs typeface="Arial" panose="020B0604020202020204" pitchFamily="34" charset="0"/>
             </a:rPr>
-            <a:t>- log4j2.jxml </a:t>
-          </a:r>
-          <a:r>
-            <a:rPr lang="es-ES" sz="800" dirty="0" smtClean="0">
-              <a:latin typeface="Arial" panose="020B0604020202020204" pitchFamily="34" charset="0"/>
-              <a:cs typeface="Arial" panose="020B0604020202020204" pitchFamily="34" charset="0"/>
-            </a:rPr>
-            <a:t> </a:t>
+            <a:t>- log4j2.jxml  </a:t>
           </a:r>
         </a:p>
         <a:p>
@@ -2213,6 +2206,13 @@
     <dgm:pt modelId="{DBB52353-5B7D-4AA4-8043-29657C6239C7}" type="pres">
       <dgm:prSet presAssocID="{63A3C153-15CB-467B-9889-57C1B2B0482E}" presName="rootConnector" presStyleLbl="node1" presStyleIdx="0" presStyleCnt="4"/>
       <dgm:spPr/>
+      <dgm:t>
+        <a:bodyPr/>
+        <a:lstStyle/>
+        <a:p>
+          <a:endParaRPr lang="es-ES"/>
+        </a:p>
+      </dgm:t>
     </dgm:pt>
     <dgm:pt modelId="{67FF8615-AA50-4944-9453-C5D8692EDD43}" type="pres">
       <dgm:prSet presAssocID="{63A3C153-15CB-467B-9889-57C1B2B0482E}" presName="childShape" presStyleCnt="0"/>
@@ -2221,6 +2221,13 @@
     <dgm:pt modelId="{8C0961A6-D0D5-40A5-B016-3286CE5158CC}" type="pres">
       <dgm:prSet presAssocID="{0A2B3193-E8EF-42D9-A02A-13F90A306DA6}" presName="Name13" presStyleLbl="parChTrans1D2" presStyleIdx="0" presStyleCnt="4"/>
       <dgm:spPr/>
+      <dgm:t>
+        <a:bodyPr/>
+        <a:lstStyle/>
+        <a:p>
+          <a:endParaRPr lang="es-ES"/>
+        </a:p>
+      </dgm:t>
     </dgm:pt>
     <dgm:pt modelId="{CC2B3389-DA9F-4010-834A-0C6D039FFFE3}" type="pres">
       <dgm:prSet presAssocID="{B240375D-8E58-4B6F-B934-099F7D45ABE9}" presName="childText" presStyleLbl="bgAcc1" presStyleIdx="0" presStyleCnt="4">
@@ -2259,6 +2266,13 @@
     <dgm:pt modelId="{9E47B3F3-1E86-427A-8AC5-D2B8A3CA0E99}" type="pres">
       <dgm:prSet presAssocID="{C9D5AAF0-B0D0-47F7-B9F5-A0320F594F55}" presName="rootConnector" presStyleLbl="node1" presStyleIdx="1" presStyleCnt="4"/>
       <dgm:spPr/>
+      <dgm:t>
+        <a:bodyPr/>
+        <a:lstStyle/>
+        <a:p>
+          <a:endParaRPr lang="es-ES"/>
+        </a:p>
+      </dgm:t>
     </dgm:pt>
     <dgm:pt modelId="{234DDF86-A85F-49E2-90B3-5CCF8AF82790}" type="pres">
       <dgm:prSet presAssocID="{C9D5AAF0-B0D0-47F7-B9F5-A0320F594F55}" presName="childShape" presStyleCnt="0"/>
@@ -2267,6 +2281,13 @@
     <dgm:pt modelId="{B09ACDCB-9430-4924-9644-2E70EC85C6D0}" type="pres">
       <dgm:prSet presAssocID="{DF13831E-841B-47C3-AC53-D0E6FF49C762}" presName="Name13" presStyleLbl="parChTrans1D2" presStyleIdx="1" presStyleCnt="4"/>
       <dgm:spPr/>
+      <dgm:t>
+        <a:bodyPr/>
+        <a:lstStyle/>
+        <a:p>
+          <a:endParaRPr lang="es-ES"/>
+        </a:p>
+      </dgm:t>
     </dgm:pt>
     <dgm:pt modelId="{33F099E2-AC22-4486-8B17-D5D345DEBA07}" type="pres">
       <dgm:prSet presAssocID="{F32014FA-5FCB-45DE-9C6B-60C451CD78C5}" presName="childText" presStyleLbl="bgAcc1" presStyleIdx="1" presStyleCnt="4">
@@ -2305,6 +2326,13 @@
     <dgm:pt modelId="{9ED1DB1C-5167-4381-BFAB-B19CC5EDD48E}" type="pres">
       <dgm:prSet presAssocID="{F70D6CB7-03CF-41D4-9532-C46E2CB70ED4}" presName="rootConnector" presStyleLbl="node1" presStyleIdx="2" presStyleCnt="4"/>
       <dgm:spPr/>
+      <dgm:t>
+        <a:bodyPr/>
+        <a:lstStyle/>
+        <a:p>
+          <a:endParaRPr lang="es-ES"/>
+        </a:p>
+      </dgm:t>
     </dgm:pt>
     <dgm:pt modelId="{DDC84E92-F9EE-473F-AB02-AC01D13C4976}" type="pres">
       <dgm:prSet presAssocID="{F70D6CB7-03CF-41D4-9532-C46E2CB70ED4}" presName="childShape" presStyleCnt="0"/>
@@ -2313,6 +2341,13 @@
     <dgm:pt modelId="{3DC861BE-16C6-4304-871C-7498F52207E8}" type="pres">
       <dgm:prSet presAssocID="{DC338A8B-E213-4C13-B310-BBB17F4966ED}" presName="Name13" presStyleLbl="parChTrans1D2" presStyleIdx="2" presStyleCnt="4"/>
       <dgm:spPr/>
+      <dgm:t>
+        <a:bodyPr/>
+        <a:lstStyle/>
+        <a:p>
+          <a:endParaRPr lang="es-ES"/>
+        </a:p>
+      </dgm:t>
     </dgm:pt>
     <dgm:pt modelId="{D14EA709-E163-423F-BAA3-831CDD67FDE1}" type="pres">
       <dgm:prSet presAssocID="{097B8E72-BD36-457B-ADAC-33816D8DE16C}" presName="childText" presStyleLbl="bgAcc1" presStyleIdx="2" presStyleCnt="4">
@@ -2351,6 +2386,13 @@
     <dgm:pt modelId="{91AFA8DF-F041-4CEA-A9C8-E338568A0759}" type="pres">
       <dgm:prSet presAssocID="{4D50CF5F-3E6D-48C3-9167-7CC55C7B5288}" presName="rootConnector" presStyleLbl="node1" presStyleIdx="3" presStyleCnt="4"/>
       <dgm:spPr/>
+      <dgm:t>
+        <a:bodyPr/>
+        <a:lstStyle/>
+        <a:p>
+          <a:endParaRPr lang="es-ES"/>
+        </a:p>
+      </dgm:t>
     </dgm:pt>
     <dgm:pt modelId="{A7CFA877-8755-4871-A7C2-73959033C826}" type="pres">
       <dgm:prSet presAssocID="{4D50CF5F-3E6D-48C3-9167-7CC55C7B5288}" presName="childShape" presStyleCnt="0"/>
@@ -2359,6 +2401,13 @@
     <dgm:pt modelId="{FCE75506-00D0-4418-915D-25A708F6B511}" type="pres">
       <dgm:prSet presAssocID="{7AB161D4-3D57-41F1-8F79-E32CC01C773D}" presName="Name13" presStyleLbl="parChTrans1D2" presStyleIdx="3" presStyleCnt="4"/>
       <dgm:spPr/>
+      <dgm:t>
+        <a:bodyPr/>
+        <a:lstStyle/>
+        <a:p>
+          <a:endParaRPr lang="es-ES"/>
+        </a:p>
+      </dgm:t>
     </dgm:pt>
     <dgm:pt modelId="{96164AE0-C654-4701-B7B1-0430505603F1}" type="pres">
       <dgm:prSet presAssocID="{04D59B51-8C8D-4D74-804F-138A513620E4}" presName="childText" presStyleLbl="bgAcc1" presStyleIdx="3" presStyleCnt="4">
@@ -2377,31 +2426,31 @@
     </dgm:pt>
   </dgm:ptLst>
   <dgm:cxnLst>
+    <dgm:cxn modelId="{B0E04E92-C70C-47FF-87FC-DF48C2E38FE5}" srcId="{C8EEE2FF-6975-40D6-9A5F-3DD33C17E471}" destId="{C9D5AAF0-B0D0-47F7-B9F5-A0320F594F55}" srcOrd="1" destOrd="0" parTransId="{9A2D2F48-A4F0-46DE-9FF8-90B17D2499CB}" sibTransId="{7E5A3EFC-CC00-44FF-BFCE-2F5A58C764D4}"/>
+    <dgm:cxn modelId="{4E0A452E-8916-4F28-8C93-4D614779F601}" type="presOf" srcId="{0A2B3193-E8EF-42D9-A02A-13F90A306DA6}" destId="{8C0961A6-D0D5-40A5-B016-3286CE5158CC}" srcOrd="0" destOrd="0" presId="urn:microsoft.com/office/officeart/2005/8/layout/hierarchy3"/>
+    <dgm:cxn modelId="{E6889B57-4629-43E4-B16A-611FC90D37BB}" type="presOf" srcId="{4D50CF5F-3E6D-48C3-9167-7CC55C7B5288}" destId="{7238828E-E508-4049-ABB0-91F5E8331A09}" srcOrd="0" destOrd="0" presId="urn:microsoft.com/office/officeart/2005/8/layout/hierarchy3"/>
+    <dgm:cxn modelId="{41817DF5-D564-4CF5-A180-BB989BC4A209}" type="presOf" srcId="{C9D5AAF0-B0D0-47F7-B9F5-A0320F594F55}" destId="{284019D4-3BC2-492B-BF55-505B377970D9}" srcOrd="0" destOrd="0" presId="urn:microsoft.com/office/officeart/2005/8/layout/hierarchy3"/>
+    <dgm:cxn modelId="{06811764-D1DE-4847-B1D2-5571CE46AE89}" type="presOf" srcId="{63A3C153-15CB-467B-9889-57C1B2B0482E}" destId="{DBB52353-5B7D-4AA4-8043-29657C6239C7}" srcOrd="1" destOrd="0" presId="urn:microsoft.com/office/officeart/2005/8/layout/hierarchy3"/>
+    <dgm:cxn modelId="{9FDCBCE8-79BE-4757-A739-3A8FBEBE5850}" type="presOf" srcId="{C9D5AAF0-B0D0-47F7-B9F5-A0320F594F55}" destId="{9E47B3F3-1E86-427A-8AC5-D2B8A3CA0E99}" srcOrd="1" destOrd="0" presId="urn:microsoft.com/office/officeart/2005/8/layout/hierarchy3"/>
+    <dgm:cxn modelId="{F259E522-BC7B-44DE-9153-27A545063FC7}" srcId="{4D50CF5F-3E6D-48C3-9167-7CC55C7B5288}" destId="{04D59B51-8C8D-4D74-804F-138A513620E4}" srcOrd="0" destOrd="0" parTransId="{7AB161D4-3D57-41F1-8F79-E32CC01C773D}" sibTransId="{90D08D31-1933-4BB3-B9C6-308F554FA89D}"/>
+    <dgm:cxn modelId="{904DF016-59B5-40D3-849D-6816513E982F}" type="presOf" srcId="{F70D6CB7-03CF-41D4-9532-C46E2CB70ED4}" destId="{9ED1DB1C-5167-4381-BFAB-B19CC5EDD48E}" srcOrd="1" destOrd="0" presId="urn:microsoft.com/office/officeart/2005/8/layout/hierarchy3"/>
+    <dgm:cxn modelId="{7DA55F87-7636-46E9-B342-E6A5F8DABF18}" type="presOf" srcId="{C8EEE2FF-6975-40D6-9A5F-3DD33C17E471}" destId="{2292782D-6E88-4ACA-B296-7017AF09BD05}" srcOrd="0" destOrd="0" presId="urn:microsoft.com/office/officeart/2005/8/layout/hierarchy3"/>
+    <dgm:cxn modelId="{0B555BA7-0F43-424E-8492-40BE108C6EE8}" srcId="{C8EEE2FF-6975-40D6-9A5F-3DD33C17E471}" destId="{F70D6CB7-03CF-41D4-9532-C46E2CB70ED4}" srcOrd="2" destOrd="0" parTransId="{FACCC3D0-7B6F-4FF7-B2C1-C3E4BA44680B}" sibTransId="{589E7846-E46D-40F8-B318-E88EBEB5EFBC}"/>
+    <dgm:cxn modelId="{0A30FC66-F2DC-4155-AD1C-33079222D302}" type="presOf" srcId="{4D50CF5F-3E6D-48C3-9167-7CC55C7B5288}" destId="{91AFA8DF-F041-4CEA-A9C8-E338568A0759}" srcOrd="1" destOrd="0" presId="urn:microsoft.com/office/officeart/2005/8/layout/hierarchy3"/>
+    <dgm:cxn modelId="{D3C3643A-E345-4536-82D0-A7AB7D80767F}" type="presOf" srcId="{DF13831E-841B-47C3-AC53-D0E6FF49C762}" destId="{B09ACDCB-9430-4924-9644-2E70EC85C6D0}" srcOrd="0" destOrd="0" presId="urn:microsoft.com/office/officeart/2005/8/layout/hierarchy3"/>
+    <dgm:cxn modelId="{318DA384-F788-48E3-BF38-76E8D9F01C9E}" srcId="{63A3C153-15CB-467B-9889-57C1B2B0482E}" destId="{B240375D-8E58-4B6F-B934-099F7D45ABE9}" srcOrd="0" destOrd="0" parTransId="{0A2B3193-E8EF-42D9-A02A-13F90A306DA6}" sibTransId="{E766339E-6483-4EEA-8776-7B97C55D066C}"/>
+    <dgm:cxn modelId="{E9A7E52F-408A-48C3-967E-2F3C4F471ACF}" type="presOf" srcId="{DC338A8B-E213-4C13-B310-BBB17F4966ED}" destId="{3DC861BE-16C6-4304-871C-7498F52207E8}" srcOrd="0" destOrd="0" presId="urn:microsoft.com/office/officeart/2005/8/layout/hierarchy3"/>
+    <dgm:cxn modelId="{6E1816A3-8CC5-4293-927A-5B2197DADE9D}" type="presOf" srcId="{7AB161D4-3D57-41F1-8F79-E32CC01C773D}" destId="{FCE75506-00D0-4418-915D-25A708F6B511}" srcOrd="0" destOrd="0" presId="urn:microsoft.com/office/officeart/2005/8/layout/hierarchy3"/>
+    <dgm:cxn modelId="{C3A105FB-4325-4658-9C40-760EE7AEEAE4}" type="presOf" srcId="{B240375D-8E58-4B6F-B934-099F7D45ABE9}" destId="{CC2B3389-DA9F-4010-834A-0C6D039FFFE3}" srcOrd="0" destOrd="0" presId="urn:microsoft.com/office/officeart/2005/8/layout/hierarchy3"/>
+    <dgm:cxn modelId="{E606DC4F-65C4-4C05-9C8D-D6C9F1682C12}" type="presOf" srcId="{097B8E72-BD36-457B-ADAC-33816D8DE16C}" destId="{D14EA709-E163-423F-BAA3-831CDD67FDE1}" srcOrd="0" destOrd="0" presId="urn:microsoft.com/office/officeart/2005/8/layout/hierarchy3"/>
+    <dgm:cxn modelId="{D690C37D-33BD-4F2E-8C76-597180F18E6A}" srcId="{C8EEE2FF-6975-40D6-9A5F-3DD33C17E471}" destId="{4D50CF5F-3E6D-48C3-9167-7CC55C7B5288}" srcOrd="3" destOrd="0" parTransId="{341B529A-7185-48DB-AD0F-776A91A1EDD6}" sibTransId="{1DBEE71C-8111-4ACF-8F62-1294A3CCA2A0}"/>
+    <dgm:cxn modelId="{E690ABAF-9DE5-4740-AE6B-0874A7848908}" srcId="{F70D6CB7-03CF-41D4-9532-C46E2CB70ED4}" destId="{097B8E72-BD36-457B-ADAC-33816D8DE16C}" srcOrd="0" destOrd="0" parTransId="{DC338A8B-E213-4C13-B310-BBB17F4966ED}" sibTransId="{C5237AE5-A2DC-4100-BE8A-E3588339DF89}"/>
+    <dgm:cxn modelId="{E6AB6BB2-B255-4DF7-913C-ABDBBD5FCF5B}" srcId="{C9D5AAF0-B0D0-47F7-B9F5-A0320F594F55}" destId="{F32014FA-5FCB-45DE-9C6B-60C451CD78C5}" srcOrd="0" destOrd="0" parTransId="{DF13831E-841B-47C3-AC53-D0E6FF49C762}" sibTransId="{978E5B6F-989D-458A-878C-6C8B56769E05}"/>
     <dgm:cxn modelId="{9D6F7246-1128-4354-BC4B-E4658A626822}" srcId="{C8EEE2FF-6975-40D6-9A5F-3DD33C17E471}" destId="{63A3C153-15CB-467B-9889-57C1B2B0482E}" srcOrd="0" destOrd="0" parTransId="{0B1E3986-AAE4-40A1-8637-F664D231ADE3}" sibTransId="{6E3A14A5-0B18-4AE0-8478-E540E752C724}"/>
-    <dgm:cxn modelId="{318DA384-F788-48E3-BF38-76E8D9F01C9E}" srcId="{63A3C153-15CB-467B-9889-57C1B2B0482E}" destId="{B240375D-8E58-4B6F-B934-099F7D45ABE9}" srcOrd="0" destOrd="0" parTransId="{0A2B3193-E8EF-42D9-A02A-13F90A306DA6}" sibTransId="{E766339E-6483-4EEA-8776-7B97C55D066C}"/>
-    <dgm:cxn modelId="{6E1816A3-8CC5-4293-927A-5B2197DADE9D}" type="presOf" srcId="{7AB161D4-3D57-41F1-8F79-E32CC01C773D}" destId="{FCE75506-00D0-4418-915D-25A708F6B511}" srcOrd="0" destOrd="0" presId="urn:microsoft.com/office/officeart/2005/8/layout/hierarchy3"/>
-    <dgm:cxn modelId="{E6AB6BB2-B255-4DF7-913C-ABDBBD5FCF5B}" srcId="{C9D5AAF0-B0D0-47F7-B9F5-A0320F594F55}" destId="{F32014FA-5FCB-45DE-9C6B-60C451CD78C5}" srcOrd="0" destOrd="0" parTransId="{DF13831E-841B-47C3-AC53-D0E6FF49C762}" sibTransId="{978E5B6F-989D-458A-878C-6C8B56769E05}"/>
-    <dgm:cxn modelId="{41817DF5-D564-4CF5-A180-BB989BC4A209}" type="presOf" srcId="{C9D5AAF0-B0D0-47F7-B9F5-A0320F594F55}" destId="{284019D4-3BC2-492B-BF55-505B377970D9}" srcOrd="0" destOrd="0" presId="urn:microsoft.com/office/officeart/2005/8/layout/hierarchy3"/>
-    <dgm:cxn modelId="{4E0A452E-8916-4F28-8C93-4D614779F601}" type="presOf" srcId="{0A2B3193-E8EF-42D9-A02A-13F90A306DA6}" destId="{8C0961A6-D0D5-40A5-B016-3286CE5158CC}" srcOrd="0" destOrd="0" presId="urn:microsoft.com/office/officeart/2005/8/layout/hierarchy3"/>
-    <dgm:cxn modelId="{D3C3643A-E345-4536-82D0-A7AB7D80767F}" type="presOf" srcId="{DF13831E-841B-47C3-AC53-D0E6FF49C762}" destId="{B09ACDCB-9430-4924-9644-2E70EC85C6D0}" srcOrd="0" destOrd="0" presId="urn:microsoft.com/office/officeart/2005/8/layout/hierarchy3"/>
-    <dgm:cxn modelId="{D690C37D-33BD-4F2E-8C76-597180F18E6A}" srcId="{C8EEE2FF-6975-40D6-9A5F-3DD33C17E471}" destId="{4D50CF5F-3E6D-48C3-9167-7CC55C7B5288}" srcOrd="3" destOrd="0" parTransId="{341B529A-7185-48DB-AD0F-776A91A1EDD6}" sibTransId="{1DBEE71C-8111-4ACF-8F62-1294A3CCA2A0}"/>
-    <dgm:cxn modelId="{0B555BA7-0F43-424E-8492-40BE108C6EE8}" srcId="{C8EEE2FF-6975-40D6-9A5F-3DD33C17E471}" destId="{F70D6CB7-03CF-41D4-9532-C46E2CB70ED4}" srcOrd="2" destOrd="0" parTransId="{FACCC3D0-7B6F-4FF7-B2C1-C3E4BA44680B}" sibTransId="{589E7846-E46D-40F8-B318-E88EBEB5EFBC}"/>
+    <dgm:cxn modelId="{6C30D91A-6E25-4737-8CD4-FB8AB85E8F87}" type="presOf" srcId="{F32014FA-5FCB-45DE-9C6B-60C451CD78C5}" destId="{33F099E2-AC22-4486-8B17-D5D345DEBA07}" srcOrd="0" destOrd="0" presId="urn:microsoft.com/office/officeart/2005/8/layout/hierarchy3"/>
     <dgm:cxn modelId="{3C99D867-DF08-4697-9857-2C5D21CEFEA4}" type="presOf" srcId="{04D59B51-8C8D-4D74-804F-138A513620E4}" destId="{96164AE0-C654-4701-B7B1-0430505603F1}" srcOrd="0" destOrd="0" presId="urn:microsoft.com/office/officeart/2005/8/layout/hierarchy3"/>
-    <dgm:cxn modelId="{6C30D91A-6E25-4737-8CD4-FB8AB85E8F87}" type="presOf" srcId="{F32014FA-5FCB-45DE-9C6B-60C451CD78C5}" destId="{33F099E2-AC22-4486-8B17-D5D345DEBA07}" srcOrd="0" destOrd="0" presId="urn:microsoft.com/office/officeart/2005/8/layout/hierarchy3"/>
-    <dgm:cxn modelId="{E9A7E52F-408A-48C3-967E-2F3C4F471ACF}" type="presOf" srcId="{DC338A8B-E213-4C13-B310-BBB17F4966ED}" destId="{3DC861BE-16C6-4304-871C-7498F52207E8}" srcOrd="0" destOrd="0" presId="urn:microsoft.com/office/officeart/2005/8/layout/hierarchy3"/>
-    <dgm:cxn modelId="{F259E522-BC7B-44DE-9153-27A545063FC7}" srcId="{4D50CF5F-3E6D-48C3-9167-7CC55C7B5288}" destId="{04D59B51-8C8D-4D74-804F-138A513620E4}" srcOrd="0" destOrd="0" parTransId="{7AB161D4-3D57-41F1-8F79-E32CC01C773D}" sibTransId="{90D08D31-1933-4BB3-B9C6-308F554FA89D}"/>
-    <dgm:cxn modelId="{B0E04E92-C70C-47FF-87FC-DF48C2E38FE5}" srcId="{C8EEE2FF-6975-40D6-9A5F-3DD33C17E471}" destId="{C9D5AAF0-B0D0-47F7-B9F5-A0320F594F55}" srcOrd="1" destOrd="0" parTransId="{9A2D2F48-A4F0-46DE-9FF8-90B17D2499CB}" sibTransId="{7E5A3EFC-CC00-44FF-BFCE-2F5A58C764D4}"/>
     <dgm:cxn modelId="{2D0D3A27-E6F5-4C06-9B9C-BEC6B88EA9A2}" type="presOf" srcId="{F70D6CB7-03CF-41D4-9532-C46E2CB70ED4}" destId="{EB66AEDB-8E31-49E7-9B8C-419ED486E6F9}" srcOrd="0" destOrd="0" presId="urn:microsoft.com/office/officeart/2005/8/layout/hierarchy3"/>
-    <dgm:cxn modelId="{E690ABAF-9DE5-4740-AE6B-0874A7848908}" srcId="{F70D6CB7-03CF-41D4-9532-C46E2CB70ED4}" destId="{097B8E72-BD36-457B-ADAC-33816D8DE16C}" srcOrd="0" destOrd="0" parTransId="{DC338A8B-E213-4C13-B310-BBB17F4966ED}" sibTransId="{C5237AE5-A2DC-4100-BE8A-E3588339DF89}"/>
-    <dgm:cxn modelId="{C3A105FB-4325-4658-9C40-760EE7AEEAE4}" type="presOf" srcId="{B240375D-8E58-4B6F-B934-099F7D45ABE9}" destId="{CC2B3389-DA9F-4010-834A-0C6D039FFFE3}" srcOrd="0" destOrd="0" presId="urn:microsoft.com/office/officeart/2005/8/layout/hierarchy3"/>
-    <dgm:cxn modelId="{0A30FC66-F2DC-4155-AD1C-33079222D302}" type="presOf" srcId="{4D50CF5F-3E6D-48C3-9167-7CC55C7B5288}" destId="{91AFA8DF-F041-4CEA-A9C8-E338568A0759}" srcOrd="1" destOrd="0" presId="urn:microsoft.com/office/officeart/2005/8/layout/hierarchy3"/>
     <dgm:cxn modelId="{7FEF1DB6-AF0E-4731-B086-C48DF1257793}" type="presOf" srcId="{63A3C153-15CB-467B-9889-57C1B2B0482E}" destId="{C99460D4-816A-4644-9BC5-F6C04AED14BB}" srcOrd="0" destOrd="0" presId="urn:microsoft.com/office/officeart/2005/8/layout/hierarchy3"/>
-    <dgm:cxn modelId="{E606DC4F-65C4-4C05-9C8D-D6C9F1682C12}" type="presOf" srcId="{097B8E72-BD36-457B-ADAC-33816D8DE16C}" destId="{D14EA709-E163-423F-BAA3-831CDD67FDE1}" srcOrd="0" destOrd="0" presId="urn:microsoft.com/office/officeart/2005/8/layout/hierarchy3"/>
-    <dgm:cxn modelId="{7DA55F87-7636-46E9-B342-E6A5F8DABF18}" type="presOf" srcId="{C8EEE2FF-6975-40D6-9A5F-3DD33C17E471}" destId="{2292782D-6E88-4ACA-B296-7017AF09BD05}" srcOrd="0" destOrd="0" presId="urn:microsoft.com/office/officeart/2005/8/layout/hierarchy3"/>
-    <dgm:cxn modelId="{9FDCBCE8-79BE-4757-A739-3A8FBEBE5850}" type="presOf" srcId="{C9D5AAF0-B0D0-47F7-B9F5-A0320F594F55}" destId="{9E47B3F3-1E86-427A-8AC5-D2B8A3CA0E99}" srcOrd="1" destOrd="0" presId="urn:microsoft.com/office/officeart/2005/8/layout/hierarchy3"/>
-    <dgm:cxn modelId="{06811764-D1DE-4847-B1D2-5571CE46AE89}" type="presOf" srcId="{63A3C153-15CB-467B-9889-57C1B2B0482E}" destId="{DBB52353-5B7D-4AA4-8043-29657C6239C7}" srcOrd="1" destOrd="0" presId="urn:microsoft.com/office/officeart/2005/8/layout/hierarchy3"/>
-    <dgm:cxn modelId="{E6889B57-4629-43E4-B16A-611FC90D37BB}" type="presOf" srcId="{4D50CF5F-3E6D-48C3-9167-7CC55C7B5288}" destId="{7238828E-E508-4049-ABB0-91F5E8331A09}" srcOrd="0" destOrd="0" presId="urn:microsoft.com/office/officeart/2005/8/layout/hierarchy3"/>
-    <dgm:cxn modelId="{904DF016-59B5-40D3-849D-6816513E982F}" type="presOf" srcId="{F70D6CB7-03CF-41D4-9532-C46E2CB70ED4}" destId="{9ED1DB1C-5167-4381-BFAB-B19CC5EDD48E}" srcOrd="1" destOrd="0" presId="urn:microsoft.com/office/officeart/2005/8/layout/hierarchy3"/>
     <dgm:cxn modelId="{CB5CB193-64F7-42BA-939A-8D024799F712}" type="presParOf" srcId="{2292782D-6E88-4ACA-B296-7017AF09BD05}" destId="{D5E5F19A-0F3D-4BF2-84FB-D686EDB918C6}" srcOrd="0" destOrd="0" presId="urn:microsoft.com/office/officeart/2005/8/layout/hierarchy3"/>
     <dgm:cxn modelId="{A3C611B3-22D7-41DB-9F44-8FC33EB06039}" type="presParOf" srcId="{D5E5F19A-0F3D-4BF2-84FB-D686EDB918C6}" destId="{A07AE6BF-F546-4227-BD7C-E43D7DA5FF9A}" srcOrd="0" destOrd="0" presId="urn:microsoft.com/office/officeart/2005/8/layout/hierarchy3"/>
     <dgm:cxn modelId="{7F65809A-C641-4129-906E-C25DBDE5FB75}" type="presParOf" srcId="{A07AE6BF-F546-4227-BD7C-E43D7DA5FF9A}" destId="{C99460D4-816A-4644-9BC5-F6C04AED14BB}" srcOrd="0" destOrd="0" presId="urn:microsoft.com/office/officeart/2005/8/layout/hierarchy3"/>
@@ -2508,10 +2557,24 @@
     <dgm:pt modelId="{C99460D4-816A-4644-9BC5-F6C04AED14BB}" type="pres">
       <dgm:prSet presAssocID="{63A3C153-15CB-467B-9889-57C1B2B0482E}" presName="rootText" presStyleLbl="node1" presStyleIdx="0" presStyleCnt="1"/>
       <dgm:spPr/>
+      <dgm:t>
+        <a:bodyPr/>
+        <a:lstStyle/>
+        <a:p>
+          <a:endParaRPr lang="es-ES"/>
+        </a:p>
+      </dgm:t>
     </dgm:pt>
     <dgm:pt modelId="{DBB52353-5B7D-4AA4-8043-29657C6239C7}" type="pres">
       <dgm:prSet presAssocID="{63A3C153-15CB-467B-9889-57C1B2B0482E}" presName="rootConnector" presStyleLbl="node1" presStyleIdx="0" presStyleCnt="1"/>
       <dgm:spPr/>
+      <dgm:t>
+        <a:bodyPr/>
+        <a:lstStyle/>
+        <a:p>
+          <a:endParaRPr lang="es-ES"/>
+        </a:p>
+      </dgm:t>
     </dgm:pt>
     <dgm:pt modelId="{67FF8615-AA50-4944-9453-C5D8692EDD43}" type="pres">
       <dgm:prSet presAssocID="{63A3C153-15CB-467B-9889-57C1B2B0482E}" presName="childShape" presStyleCnt="0"/>
@@ -2519,10 +2582,10 @@
     </dgm:pt>
   </dgm:ptLst>
   <dgm:cxnLst>
+    <dgm:cxn modelId="{9D6F7246-1128-4354-BC4B-E4658A626822}" srcId="{C8EEE2FF-6975-40D6-9A5F-3DD33C17E471}" destId="{63A3C153-15CB-467B-9889-57C1B2B0482E}" srcOrd="0" destOrd="0" parTransId="{0B1E3986-AAE4-40A1-8637-F664D231ADE3}" sibTransId="{6E3A14A5-0B18-4AE0-8478-E540E752C724}"/>
     <dgm:cxn modelId="{37083F72-F4A6-4EAF-98C9-80DBCB5E7D7D}" type="presOf" srcId="{63A3C153-15CB-467B-9889-57C1B2B0482E}" destId="{C99460D4-816A-4644-9BC5-F6C04AED14BB}" srcOrd="0" destOrd="0" presId="urn:microsoft.com/office/officeart/2005/8/layout/hierarchy3"/>
+    <dgm:cxn modelId="{49F735CD-7D51-46F5-82C1-FD3DC2486B5A}" type="presOf" srcId="{C8EEE2FF-6975-40D6-9A5F-3DD33C17E471}" destId="{2292782D-6E88-4ACA-B296-7017AF09BD05}" srcOrd="0" destOrd="0" presId="urn:microsoft.com/office/officeart/2005/8/layout/hierarchy3"/>
     <dgm:cxn modelId="{59BEEE5A-2FA4-4CB2-AB3E-95F712A9F5DA}" type="presOf" srcId="{63A3C153-15CB-467B-9889-57C1B2B0482E}" destId="{DBB52353-5B7D-4AA4-8043-29657C6239C7}" srcOrd="1" destOrd="0" presId="urn:microsoft.com/office/officeart/2005/8/layout/hierarchy3"/>
-    <dgm:cxn modelId="{9D6F7246-1128-4354-BC4B-E4658A626822}" srcId="{C8EEE2FF-6975-40D6-9A5F-3DD33C17E471}" destId="{63A3C153-15CB-467B-9889-57C1B2B0482E}" srcOrd="0" destOrd="0" parTransId="{0B1E3986-AAE4-40A1-8637-F664D231ADE3}" sibTransId="{6E3A14A5-0B18-4AE0-8478-E540E752C724}"/>
-    <dgm:cxn modelId="{49F735CD-7D51-46F5-82C1-FD3DC2486B5A}" type="presOf" srcId="{C8EEE2FF-6975-40D6-9A5F-3DD33C17E471}" destId="{2292782D-6E88-4ACA-B296-7017AF09BD05}" srcOrd="0" destOrd="0" presId="urn:microsoft.com/office/officeart/2005/8/layout/hierarchy3"/>
     <dgm:cxn modelId="{76578A2A-10E2-47EC-B0DF-490EA304CFB8}" type="presParOf" srcId="{2292782D-6E88-4ACA-B296-7017AF09BD05}" destId="{D5E5F19A-0F3D-4BF2-84FB-D686EDB918C6}" srcOrd="0" destOrd="0" presId="urn:microsoft.com/office/officeart/2005/8/layout/hierarchy3"/>
     <dgm:cxn modelId="{436BD58C-C343-48DD-9CC0-5A9A94456052}" type="presParOf" srcId="{D5E5F19A-0F3D-4BF2-84FB-D686EDB918C6}" destId="{A07AE6BF-F546-4227-BD7C-E43D7DA5FF9A}" srcOrd="0" destOrd="0" presId="urn:microsoft.com/office/officeart/2005/8/layout/hierarchy3"/>
     <dgm:cxn modelId="{FA44B4B0-E532-4B90-9BB0-442FBA0AE59C}" type="presParOf" srcId="{A07AE6BF-F546-4227-BD7C-E43D7DA5FF9A}" destId="{C99460D4-816A-4644-9BC5-F6C04AED14BB}" srcOrd="0" destOrd="0" presId="urn:microsoft.com/office/officeart/2005/8/layout/hierarchy3"/>
@@ -3295,14 +3358,7 @@
               <a:latin typeface="Arial" panose="020B0604020202020204" pitchFamily="34" charset="0"/>
               <a:cs typeface="Arial" panose="020B0604020202020204" pitchFamily="34" charset="0"/>
             </a:rPr>
-            <a:t>- log4j2.jxml </a:t>
-          </a:r>
-          <a:r>
-            <a:rPr lang="es-ES" sz="800" kern="1200" dirty="0" smtClean="0">
-              <a:latin typeface="Arial" panose="020B0604020202020204" pitchFamily="34" charset="0"/>
-              <a:cs typeface="Arial" panose="020B0604020202020204" pitchFamily="34" charset="0"/>
-            </a:rPr>
-            <a:t> </a:t>
+            <a:t>- log4j2.jxml  </a:t>
           </a:r>
         </a:p>
         <a:p>
@@ -6465,7 +6521,7 @@
           <a:p>
             <a:fld id="{F9874739-E477-43E2-8B27-A4F7487B42F6}" type="datetimeFigureOut">
               <a:rPr lang="es-ES" smtClean="0"/>
-              <a:t>11/01/2017</a:t>
+              <a:t>12/01/2017</a:t>
             </a:fld>
             <a:endParaRPr lang="es-ES"/>
           </a:p>
@@ -6630,7 +6686,7 @@
           <a:p>
             <a:fld id="{2CB02398-51E1-4667-A0F7-E97AD1F32962}" type="datetimeFigureOut">
               <a:rPr lang="es-ES" smtClean="0"/>
-              <a:t>11/01/2017</a:t>
+              <a:t>12/01/2017</a:t>
             </a:fld>
             <a:endParaRPr lang="es-ES"/>
           </a:p>
@@ -36008,7 +36064,7 @@
             <a:fld id="{426C338B-A7CD-4FCA-B3FF-3C466ECA6062}" type="datetime3">
               <a:rPr lang="de-DE" smtClean="0"/>
               <a:pPr/>
-              <a:t>11/01/17</a:t>
+              <a:t>12/01/17</a:t>
             </a:fld>
             <a:endParaRPr lang="en-US" dirty="0"/>
           </a:p>
@@ -36826,7 +36882,7 @@
           <a:p>
             <a:fld id="{D18B1B05-B20E-4B93-9621-E29C9DC5425C}" type="datetimeFigureOut">
               <a:rPr lang="es-ES" smtClean="0"/>
-              <a:t>11/01/2017</a:t>
+              <a:t>12/01/2017</a:t>
             </a:fld>
             <a:endParaRPr lang="es-ES"/>
           </a:p>
@@ -36996,7 +37052,7 @@
           <a:p>
             <a:fld id="{D18B1B05-B20E-4B93-9621-E29C9DC5425C}" type="datetimeFigureOut">
               <a:rPr lang="es-ES" smtClean="0"/>
-              <a:t>11/01/2017</a:t>
+              <a:t>12/01/2017</a:t>
             </a:fld>
             <a:endParaRPr lang="es-ES"/>
           </a:p>
@@ -37242,7 +37298,7 @@
           <a:p>
             <a:fld id="{D18B1B05-B20E-4B93-9621-E29C9DC5425C}" type="datetimeFigureOut">
               <a:rPr lang="es-ES" smtClean="0"/>
-              <a:t>11/01/2017</a:t>
+              <a:t>12/01/2017</a:t>
             </a:fld>
             <a:endParaRPr lang="es-ES"/>
           </a:p>
@@ -37530,7 +37586,7 @@
           <a:p>
             <a:fld id="{D18B1B05-B20E-4B93-9621-E29C9DC5425C}" type="datetimeFigureOut">
               <a:rPr lang="es-ES" smtClean="0"/>
-              <a:t>11/01/2017</a:t>
+              <a:t>12/01/2017</a:t>
             </a:fld>
             <a:endParaRPr lang="es-ES"/>
           </a:p>
@@ -37952,7 +38008,7 @@
           <a:p>
             <a:fld id="{D18B1B05-B20E-4B93-9621-E29C9DC5425C}" type="datetimeFigureOut">
               <a:rPr lang="es-ES" smtClean="0"/>
-              <a:t>11/01/2017</a:t>
+              <a:t>12/01/2017</a:t>
             </a:fld>
             <a:endParaRPr lang="es-ES"/>
           </a:p>
@@ -38070,7 +38126,7 @@
           <a:p>
             <a:fld id="{D18B1B05-B20E-4B93-9621-E29C9DC5425C}" type="datetimeFigureOut">
               <a:rPr lang="es-ES" smtClean="0"/>
-              <a:t>11/01/2017</a:t>
+              <a:t>12/01/2017</a:t>
             </a:fld>
             <a:endParaRPr lang="es-ES"/>
           </a:p>
@@ -38165,7 +38221,7 @@
           <a:p>
             <a:fld id="{D18B1B05-B20E-4B93-9621-E29C9DC5425C}" type="datetimeFigureOut">
               <a:rPr lang="es-ES" smtClean="0"/>
-              <a:t>11/01/2017</a:t>
+              <a:t>12/01/2017</a:t>
             </a:fld>
             <a:endParaRPr lang="es-ES"/>
           </a:p>
@@ -39219,7 +39275,7 @@
           <a:p>
             <a:fld id="{D18B1B05-B20E-4B93-9621-E29C9DC5425C}" type="datetimeFigureOut">
               <a:rPr lang="es-ES" smtClean="0"/>
-              <a:t>11/01/2017</a:t>
+              <a:t>12/01/2017</a:t>
             </a:fld>
             <a:endParaRPr lang="es-ES"/>
           </a:p>
@@ -39472,7 +39528,7 @@
           <a:p>
             <a:fld id="{D18B1B05-B20E-4B93-9621-E29C9DC5425C}" type="datetimeFigureOut">
               <a:rPr lang="es-ES" smtClean="0"/>
-              <a:t>11/01/2017</a:t>
+              <a:t>12/01/2017</a:t>
             </a:fld>
             <a:endParaRPr lang="es-ES"/>
           </a:p>
@@ -39642,7 +39698,7 @@
           <a:p>
             <a:fld id="{D18B1B05-B20E-4B93-9621-E29C9DC5425C}" type="datetimeFigureOut">
               <a:rPr lang="es-ES" smtClean="0"/>
-              <a:t>11/01/2017</a:t>
+              <a:t>12/01/2017</a:t>
             </a:fld>
             <a:endParaRPr lang="es-ES"/>
           </a:p>
@@ -39822,7 +39878,7 @@
           <a:p>
             <a:fld id="{D18B1B05-B20E-4B93-9621-E29C9DC5425C}" type="datetimeFigureOut">
               <a:rPr lang="es-ES" smtClean="0"/>
-              <a:t>11/01/2017</a:t>
+              <a:t>12/01/2017</a:t>
             </a:fld>
             <a:endParaRPr lang="es-ES"/>
           </a:p>
@@ -41511,7 +41567,7 @@
           <a:p>
             <a:fld id="{DC555DEA-4530-4101-B362-785BA849EADE}" type="datetimeFigureOut">
               <a:rPr lang="es-ES" smtClean="0"/>
-              <a:t>11/01/2017</a:t>
+              <a:t>12/01/2017</a:t>
             </a:fld>
             <a:endParaRPr lang="es-ES" dirty="0"/>
           </a:p>
@@ -42027,7 +42083,7 @@
           <a:p>
             <a:fld id="{DC555DEA-4530-4101-B362-785BA849EADE}" type="datetimeFigureOut">
               <a:rPr lang="es-ES" smtClean="0"/>
-              <a:t>11/01/2017</a:t>
+              <a:t>12/01/2017</a:t>
             </a:fld>
             <a:endParaRPr lang="es-ES" dirty="0"/>
           </a:p>
@@ -42541,7 +42597,7 @@
           <a:p>
             <a:fld id="{DC555DEA-4530-4101-B362-785BA849EADE}" type="datetimeFigureOut">
               <a:rPr lang="es-ES" smtClean="0"/>
-              <a:t>11/01/2017</a:t>
+              <a:t>12/01/2017</a:t>
             </a:fld>
             <a:endParaRPr lang="es-ES" dirty="0"/>
           </a:p>
@@ -43056,7 +43112,7 @@
           <a:p>
             <a:fld id="{DC555DEA-4530-4101-B362-785BA849EADE}" type="datetimeFigureOut">
               <a:rPr lang="es-ES" smtClean="0"/>
-              <a:t>11/01/2017</a:t>
+              <a:t>12/01/2017</a:t>
             </a:fld>
             <a:endParaRPr lang="es-ES" dirty="0"/>
           </a:p>
@@ -43571,7 +43627,7 @@
           <a:p>
             <a:fld id="{DC555DEA-4530-4101-B362-785BA849EADE}" type="datetimeFigureOut">
               <a:rPr lang="es-ES" smtClean="0"/>
-              <a:t>11/01/2017</a:t>
+              <a:t>12/01/2017</a:t>
             </a:fld>
             <a:endParaRPr lang="es-ES" dirty="0"/>
           </a:p>
@@ -44530,7 +44586,7 @@
           <a:p>
             <a:fld id="{D18B1B05-B20E-4B93-9621-E29C9DC5425C}" type="datetimeFigureOut">
               <a:rPr lang="es-ES" smtClean="0"/>
-              <a:t>11/01/2017</a:t>
+              <a:t>12/01/2017</a:t>
             </a:fld>
             <a:endParaRPr lang="es-ES" dirty="0"/>
           </a:p>
@@ -45076,7 +45132,6 @@
               <a:rPr lang="es-ES" dirty="0"/>
               <a:t>Componentes Log4j</a:t>
             </a:r>
-            <a:endParaRPr lang="es-ES" dirty="0"/>
           </a:p>
         </p:txBody>
       </p:sp>
@@ -45991,7 +46046,6 @@
               <a:rPr lang="es-ES" dirty="0"/>
               <a:t>Componentes Log4j</a:t>
             </a:r>
-            <a:endParaRPr lang="es-ES" dirty="0"/>
           </a:p>
         </p:txBody>
       </p:sp>
@@ -46462,13 +46516,6 @@
               </a:rPr>
               <a:t> de trazas</a:t>
             </a:r>
-            <a:endParaRPr lang="es-ES" dirty="0">
-              <a:solidFill>
-                <a:schemeClr val="bg1">
-                  <a:lumMod val="50000"/>
-                </a:schemeClr>
-              </a:solidFill>
-            </a:endParaRPr>
           </a:p>
         </p:txBody>
       </p:sp>
@@ -47193,13 +47240,6 @@
               </a:rPr>
               <a:t> de trazas</a:t>
             </a:r>
-            <a:endParaRPr lang="es-ES" dirty="0">
-              <a:solidFill>
-                <a:schemeClr val="bg1">
-                  <a:lumMod val="50000"/>
-                </a:schemeClr>
-              </a:solidFill>
-            </a:endParaRPr>
           </a:p>
         </p:txBody>
       </p:sp>
@@ -47851,7 +47891,6 @@
               <a:rPr lang="es-ES" dirty="0"/>
               <a:t>Configuración Avanzada</a:t>
             </a:r>
-            <a:endParaRPr lang="es-ES" dirty="0"/>
           </a:p>
         </p:txBody>
       </p:sp>
@@ -48384,13 +48423,6 @@
               </a:rPr>
               <a:t> de trazas</a:t>
             </a:r>
-            <a:endParaRPr lang="es-ES" dirty="0">
-              <a:solidFill>
-                <a:schemeClr val="bg1">
-                  <a:lumMod val="50000"/>
-                </a:schemeClr>
-              </a:solidFill>
-            </a:endParaRPr>
           </a:p>
         </p:txBody>
       </p:sp>
@@ -48810,7 +48842,7 @@
         </p:spPr>
         <p:txBody>
           <a:bodyPr bIns="144000">
-            <a:normAutofit/>
+            <a:normAutofit fontScale="92500" lnSpcReduction="20000"/>
           </a:bodyPr>
           <a:lstStyle/>
           <a:p>
@@ -48889,8 +48921,95 @@
             </a:r>
             <a:r>
               <a:rPr lang="es-ES" sz="1000" dirty="0" smtClean="0"/>
-              <a:t>).</a:t>
-            </a:r>
+              <a:t>) tanto en el </a:t>
+            </a:r>
+            <a:r>
+              <a:rPr lang="es-ES" sz="1000" dirty="0" smtClean="0"/>
+              <a:t>pom.xml(con </a:t>
+            </a:r>
+            <a:r>
+              <a:rPr lang="es-ES" sz="1000" dirty="0" err="1" smtClean="0"/>
+              <a:t>exclusion</a:t>
+            </a:r>
+            <a:r>
+              <a:rPr lang="es-ES" sz="1000" dirty="0" smtClean="0"/>
+              <a:t>) </a:t>
+            </a:r>
+            <a:r>
+              <a:rPr lang="es-ES" sz="1000" dirty="0"/>
+              <a:t>como en </a:t>
+            </a:r>
+            <a:r>
+              <a:rPr lang="es-ES" sz="1000" dirty="0" smtClean="0"/>
+              <a:t>el </a:t>
+            </a:r>
+            <a:r>
+              <a:rPr lang="es-ES" sz="1000" dirty="0"/>
+              <a:t>archivo </a:t>
+            </a:r>
+            <a:r>
+              <a:rPr lang="es-ES" sz="1000" dirty="0" err="1"/>
+              <a:t>liferay-plugin-package.properties</a:t>
+            </a:r>
+            <a:endParaRPr lang="es-ES" sz="1000" dirty="0"/>
+          </a:p>
+          <a:p>
+            <a:pPr fontAlgn="ctr"/>
+            <a:endParaRPr lang="es-ES" sz="1000" dirty="0" smtClean="0"/>
+          </a:p>
+          <a:p>
+            <a:r>
+              <a:rPr lang="es-ES" sz="1000" dirty="0" smtClean="0"/>
+              <a:t>           </a:t>
+            </a:r>
+            <a:r>
+              <a:rPr lang="es-ES" sz="1000" dirty="0" err="1" smtClean="0"/>
+              <a:t>deploy-excludes</a:t>
+            </a:r>
+            <a:r>
+              <a:rPr lang="es-ES" sz="1000" dirty="0"/>
+              <a:t>=\</a:t>
+            </a:r>
+          </a:p>
+          <a:p>
+            <a:r>
+              <a:rPr lang="es-ES" sz="1000" dirty="0"/>
+              <a:t>                              </a:t>
+            </a:r>
+            <a:r>
+              <a:rPr lang="en-US" sz="1000" dirty="0"/>
+              <a:t>**/WEB-INF/lib/log4j.jar,\</a:t>
+            </a:r>
+            <a:endParaRPr lang="es-ES" sz="1000" dirty="0"/>
+          </a:p>
+          <a:p>
+            <a:r>
+              <a:rPr lang="en-US" sz="1000" dirty="0"/>
+              <a:t>                              **/WEB-INF/lib/log4j-extras.jar,\</a:t>
+            </a:r>
+            <a:endParaRPr lang="es-ES" sz="1000" dirty="0"/>
+          </a:p>
+          <a:p>
+            <a:r>
+              <a:rPr lang="en-US" sz="1000" dirty="0"/>
+              <a:t>                              **/WEB-INF/classes/log4j.properties,\</a:t>
+            </a:r>
+            <a:endParaRPr lang="es-ES" sz="1000" dirty="0"/>
+          </a:p>
+          <a:p>
+            <a:r>
+              <a:rPr lang="en-US" sz="1000" dirty="0"/>
+              <a:t>                              **/WEB-INF/classes/</a:t>
+            </a:r>
+            <a:r>
+              <a:rPr lang="en-US" sz="1000" dirty="0" err="1"/>
+              <a:t>logging.properties</a:t>
+            </a:r>
+            <a:endParaRPr lang="es-ES" sz="1000" dirty="0"/>
+          </a:p>
+          <a:p>
+            <a:pPr fontAlgn="ctr"/>
+            <a:endParaRPr lang="es-ES" sz="1000" dirty="0" smtClean="0"/>
           </a:p>
           <a:p>
             <a:pPr marL="228600" indent="-228600" fontAlgn="ctr">
@@ -49171,7 +49290,6 @@
               <a:rPr lang="es-ES" dirty="0"/>
               <a:t> de trazas</a:t>
             </a:r>
-            <a:endParaRPr lang="es-ES" dirty="0"/>
           </a:p>
         </p:txBody>
       </p:sp>
@@ -49441,7 +49559,6 @@
               <a:rPr lang="es-ES" dirty="0"/>
               <a:t> de trazas</a:t>
             </a:r>
-            <a:endParaRPr lang="es-ES" dirty="0"/>
           </a:p>
         </p:txBody>
       </p:sp>
@@ -49873,11 +49990,7 @@
             </a:r>
             <a:r>
               <a:rPr lang="es-ES" sz="1100" dirty="0" smtClean="0"/>
-              <a:t> distinto</a:t>
-            </a:r>
-            <a:r>
-              <a:rPr lang="es-ES" sz="1100" dirty="0" smtClean="0"/>
-              <a:t>.</a:t>
+              <a:t> distinto.</a:t>
             </a:r>
           </a:p>
           <a:p>
@@ -50018,14 +50131,7 @@
                 <a:latin typeface="Consolas" panose="020B0609020204030204" pitchFamily="49" charset="0"/>
                 <a:cs typeface="Consolas" panose="020B0609020204030204" pitchFamily="49" charset="0"/>
               </a:rPr>
-              <a:t> </a:t>
-            </a:r>
-            <a:r>
-              <a:rPr lang="es-ES" sz="1100" dirty="0">
-                <a:latin typeface="Consolas" panose="020B0609020204030204" pitchFamily="49" charset="0"/>
-                <a:cs typeface="Consolas" panose="020B0609020204030204" pitchFamily="49" charset="0"/>
-              </a:rPr>
-              <a:t>LOG </a:t>
+              <a:t> LOG </a:t>
             </a:r>
             <a:r>
               <a:rPr lang="es-ES" sz="1100" dirty="0" smtClean="0">
@@ -50183,15 +50289,7 @@
             </a:r>
             <a:r>
               <a:rPr lang="en-US" sz="1000" i="1" dirty="0"/>
-              <a:t>/classes/META-INF/{portal-log4j.xml|</a:t>
-            </a:r>
-            <a:r>
-              <a:rPr lang="en-US" sz="1000" i="1" dirty="0"/>
-              <a:t> </a:t>
-            </a:r>
-            <a:r>
-              <a:rPr lang="en-US" sz="1000" i="1" dirty="0"/>
-              <a:t>portal-log4j-ext.xml}</a:t>
+              <a:t>/classes/META-INF/{portal-log4j.xml| portal-log4j-ext.xml}</a:t>
             </a:r>
           </a:p>
           <a:p>
@@ -50675,13 +50773,6 @@
               </a:rPr>
               <a:t> de trazas</a:t>
             </a:r>
-            <a:endParaRPr lang="es-ES" dirty="0">
-              <a:solidFill>
-                <a:schemeClr val="bg1">
-                  <a:lumMod val="50000"/>
-                </a:schemeClr>
-              </a:solidFill>
-            </a:endParaRPr>
           </a:p>
         </p:txBody>
       </p:sp>
@@ -51346,13 +51437,6 @@
               </a:rPr>
               <a:t> de trazas</a:t>
             </a:r>
-            <a:endParaRPr lang="es-ES" dirty="0">
-              <a:solidFill>
-                <a:schemeClr val="bg1">
-                  <a:lumMod val="50000"/>
-                </a:schemeClr>
-              </a:solidFill>
-            </a:endParaRPr>
           </a:p>
         </p:txBody>
       </p:sp>
@@ -51802,7 +51886,6 @@
               <a:rPr lang="es-ES" dirty="0"/>
               <a:t>Componentes Log4j</a:t>
             </a:r>
-            <a:endParaRPr lang="es-ES" dirty="0"/>
           </a:p>
         </p:txBody>
       </p:sp>
@@ -52760,7 +52843,6 @@
               <a:rPr lang="es-ES" dirty="0"/>
               <a:t>Componentes Log4j</a:t>
             </a:r>
-            <a:endParaRPr lang="es-ES" dirty="0"/>
           </a:p>
         </p:txBody>
       </p:sp>
@@ -53762,7 +53844,6 @@
               <a:rPr lang="es-ES" dirty="0"/>
               <a:t>Componentes Log4j</a:t>
             </a:r>
-            <a:endParaRPr lang="es-ES" dirty="0"/>
           </a:p>
         </p:txBody>
       </p:sp>
@@ -54045,10 +54126,6 @@
               </a:rPr>
               <a:t>org.apache.log4j.ConsoleAppender</a:t>
             </a:r>
-            <a:endParaRPr lang="es-ES" sz="1200" dirty="0">
-              <a:latin typeface="Consolas" panose="020B0609020204030204" pitchFamily="49" charset="0"/>
-              <a:cs typeface="Consolas" panose="020B0609020204030204" pitchFamily="49" charset="0"/>
-            </a:endParaRPr>
           </a:p>
           <a:p>
             <a:pPr marL="628650" lvl="1" indent="-171450">
@@ -54284,13 +54361,6 @@
                 <a:cs typeface="Arial" panose="020B0604020202020204" pitchFamily="34" charset="0"/>
               </a:rPr>
               <a:t>) ya que perdería gran parte de la utilidad de Log4J.</a:t>
-            </a:r>
-            <a:r>
-              <a:rPr lang="es-ES" sz="1000" dirty="0">
-                <a:latin typeface="Arial" panose="020B0604020202020204" pitchFamily="34" charset="0"/>
-                <a:cs typeface="Arial" panose="020B0604020202020204" pitchFamily="34" charset="0"/>
-              </a:rPr>
-              <a:t/>
             </a:r>
             <a:br>
               <a:rPr lang="es-ES" sz="1000" dirty="0">
